--- a/analysis/NeuronsAlpha.pptx
+++ b/analysis/NeuronsAlpha.pptx
@@ -301,7 +301,7 @@
           <a:p>
             <a:fld id="{3BE1E031-2112-4E47-84F0-355F961415A6}" type="datetimeFigureOut">
               <a:rPr lang="en-US" smtClean="0"/>
-              <a:t>3/11/15</a:t>
+              <a:t>3/19/15</a:t>
             </a:fld>
             <a:endParaRPr lang="en-US"/>
           </a:p>
@@ -471,7 +471,7 @@
           <a:p>
             <a:fld id="{3BE1E031-2112-4E47-84F0-355F961415A6}" type="datetimeFigureOut">
               <a:rPr lang="en-US" smtClean="0"/>
-              <a:t>3/11/15</a:t>
+              <a:t>3/19/15</a:t>
             </a:fld>
             <a:endParaRPr lang="en-US"/>
           </a:p>
@@ -651,7 +651,7 @@
           <a:p>
             <a:fld id="{3BE1E031-2112-4E47-84F0-355F961415A6}" type="datetimeFigureOut">
               <a:rPr lang="en-US" smtClean="0"/>
-              <a:t>3/11/15</a:t>
+              <a:t>3/19/15</a:t>
             </a:fld>
             <a:endParaRPr lang="en-US"/>
           </a:p>
@@ -821,7 +821,7 @@
           <a:p>
             <a:fld id="{3BE1E031-2112-4E47-84F0-355F961415A6}" type="datetimeFigureOut">
               <a:rPr lang="en-US" smtClean="0"/>
-              <a:t>3/11/15</a:t>
+              <a:t>3/19/15</a:t>
             </a:fld>
             <a:endParaRPr lang="en-US"/>
           </a:p>
@@ -1067,7 +1067,7 @@
           <a:p>
             <a:fld id="{3BE1E031-2112-4E47-84F0-355F961415A6}" type="datetimeFigureOut">
               <a:rPr lang="en-US" smtClean="0"/>
-              <a:t>3/11/15</a:t>
+              <a:t>3/19/15</a:t>
             </a:fld>
             <a:endParaRPr lang="en-US"/>
           </a:p>
@@ -1355,7 +1355,7 @@
           <a:p>
             <a:fld id="{3BE1E031-2112-4E47-84F0-355F961415A6}" type="datetimeFigureOut">
               <a:rPr lang="en-US" smtClean="0"/>
-              <a:t>3/11/15</a:t>
+              <a:t>3/19/15</a:t>
             </a:fld>
             <a:endParaRPr lang="en-US"/>
           </a:p>
@@ -1777,7 +1777,7 @@
           <a:p>
             <a:fld id="{3BE1E031-2112-4E47-84F0-355F961415A6}" type="datetimeFigureOut">
               <a:rPr lang="en-US" smtClean="0"/>
-              <a:t>3/11/15</a:t>
+              <a:t>3/19/15</a:t>
             </a:fld>
             <a:endParaRPr lang="en-US"/>
           </a:p>
@@ -1895,7 +1895,7 @@
           <a:p>
             <a:fld id="{3BE1E031-2112-4E47-84F0-355F961415A6}" type="datetimeFigureOut">
               <a:rPr lang="en-US" smtClean="0"/>
-              <a:t>3/11/15</a:t>
+              <a:t>3/19/15</a:t>
             </a:fld>
             <a:endParaRPr lang="en-US"/>
           </a:p>
@@ -1990,7 +1990,7 @@
           <a:p>
             <a:fld id="{3BE1E031-2112-4E47-84F0-355F961415A6}" type="datetimeFigureOut">
               <a:rPr lang="en-US" smtClean="0"/>
-              <a:t>3/11/15</a:t>
+              <a:t>3/19/15</a:t>
             </a:fld>
             <a:endParaRPr lang="en-US"/>
           </a:p>
@@ -2267,7 +2267,7 @@
           <a:p>
             <a:fld id="{3BE1E031-2112-4E47-84F0-355F961415A6}" type="datetimeFigureOut">
               <a:rPr lang="en-US" smtClean="0"/>
-              <a:t>3/11/15</a:t>
+              <a:t>3/19/15</a:t>
             </a:fld>
             <a:endParaRPr lang="en-US"/>
           </a:p>
@@ -2520,7 +2520,7 @@
           <a:p>
             <a:fld id="{3BE1E031-2112-4E47-84F0-355F961415A6}" type="datetimeFigureOut">
               <a:rPr lang="en-US" smtClean="0"/>
-              <a:t>3/11/15</a:t>
+              <a:t>3/19/15</a:t>
             </a:fld>
             <a:endParaRPr lang="en-US"/>
           </a:p>
@@ -2733,7 +2733,7 @@
           <a:p>
             <a:fld id="{3BE1E031-2112-4E47-84F0-355F961415A6}" type="datetimeFigureOut">
               <a:rPr lang="en-US" smtClean="0"/>
-              <a:t>3/11/15</a:t>
+              <a:t>3/19/15</a:t>
             </a:fld>
             <a:endParaRPr lang="en-US"/>
           </a:p>
@@ -3123,6 +3123,18 @@
           <a:bodyPr/>
           <a:lstStyle/>
           <a:p>
+            <a:r>
+              <a:rPr lang="en-US" smtClean="0"/>
+              <a:t># Neurons</a:t>
+            </a:r>
+            <a:r>
+              <a:rPr lang="en-US" dirty="0" smtClean="0"/>
+              <a:t>, </a:t>
+            </a:r>
+            <a:r>
+              <a:rPr lang="en-US" smtClean="0"/>
+              <a:t>all alphas</a:t>
+            </a:r>
             <a:endParaRPr lang="en-US"/>
           </a:p>
         </p:txBody>
